--- a/documentation.pptx
+++ b/documentation.pptx
@@ -11,6 +11,10 @@
     <p:sldId id="259" r:id="rId5"/>
     <p:sldId id="260" r:id="rId6"/>
     <p:sldId id="261" r:id="rId7"/>
+    <p:sldId id="262" r:id="rId8"/>
+    <p:sldId id="263" r:id="rId9"/>
+    <p:sldId id="264" r:id="rId10"/>
+    <p:sldId id="265" r:id="rId11"/>
   </p:sldIdLst>
   <p:sldSz cx="12192000" cy="6858000"/>
   <p:notesSz cx="6858000" cy="9144000"/>
@@ -109,6 +113,11 @@
       </a:defRPr>
     </a:lvl9pPr>
   </p:defaultTextStyle>
+  <p:extLst>
+    <p:ext uri="{EFAFB233-063F-42B5-8137-9DF3F51BA10A}">
+      <p15:sldGuideLst xmlns:p15="http://schemas.microsoft.com/office/powerpoint/2012/main"/>
+    </p:ext>
+  </p:extLst>
 </p:presentation>
 </file>
 
@@ -261,7 +270,7 @@
           <a:p>
             <a:fld id="{E28C8B2C-4A08-462D-AE20-AD7145F0AF21}" type="datetimeFigureOut">
               <a:rPr lang="en-IN" smtClean="0"/>
-              <a:t>16-02-2024</a:t>
+              <a:t>18-02-2024</a:t>
             </a:fld>
             <a:endParaRPr lang="en-IN"/>
           </a:p>
@@ -461,7 +470,7 @@
           <a:p>
             <a:fld id="{E28C8B2C-4A08-462D-AE20-AD7145F0AF21}" type="datetimeFigureOut">
               <a:rPr lang="en-IN" smtClean="0"/>
-              <a:t>16-02-2024</a:t>
+              <a:t>18-02-2024</a:t>
             </a:fld>
             <a:endParaRPr lang="en-IN"/>
           </a:p>
@@ -671,7 +680,7 @@
           <a:p>
             <a:fld id="{E28C8B2C-4A08-462D-AE20-AD7145F0AF21}" type="datetimeFigureOut">
               <a:rPr lang="en-IN" smtClean="0"/>
-              <a:t>16-02-2024</a:t>
+              <a:t>18-02-2024</a:t>
             </a:fld>
             <a:endParaRPr lang="en-IN"/>
           </a:p>
@@ -871,7 +880,7 @@
           <a:p>
             <a:fld id="{E28C8B2C-4A08-462D-AE20-AD7145F0AF21}" type="datetimeFigureOut">
               <a:rPr lang="en-IN" smtClean="0"/>
-              <a:t>16-02-2024</a:t>
+              <a:t>18-02-2024</a:t>
             </a:fld>
             <a:endParaRPr lang="en-IN"/>
           </a:p>
@@ -1147,7 +1156,7 @@
           <a:p>
             <a:fld id="{E28C8B2C-4A08-462D-AE20-AD7145F0AF21}" type="datetimeFigureOut">
               <a:rPr lang="en-IN" smtClean="0"/>
-              <a:t>16-02-2024</a:t>
+              <a:t>18-02-2024</a:t>
             </a:fld>
             <a:endParaRPr lang="en-IN"/>
           </a:p>
@@ -1415,7 +1424,7 @@
           <a:p>
             <a:fld id="{E28C8B2C-4A08-462D-AE20-AD7145F0AF21}" type="datetimeFigureOut">
               <a:rPr lang="en-IN" smtClean="0"/>
-              <a:t>16-02-2024</a:t>
+              <a:t>18-02-2024</a:t>
             </a:fld>
             <a:endParaRPr lang="en-IN"/>
           </a:p>
@@ -1830,7 +1839,7 @@
           <a:p>
             <a:fld id="{E28C8B2C-4A08-462D-AE20-AD7145F0AF21}" type="datetimeFigureOut">
               <a:rPr lang="en-IN" smtClean="0"/>
-              <a:t>16-02-2024</a:t>
+              <a:t>18-02-2024</a:t>
             </a:fld>
             <a:endParaRPr lang="en-IN"/>
           </a:p>
@@ -1972,7 +1981,7 @@
           <a:p>
             <a:fld id="{E28C8B2C-4A08-462D-AE20-AD7145F0AF21}" type="datetimeFigureOut">
               <a:rPr lang="en-IN" smtClean="0"/>
-              <a:t>16-02-2024</a:t>
+              <a:t>18-02-2024</a:t>
             </a:fld>
             <a:endParaRPr lang="en-IN"/>
           </a:p>
@@ -2085,7 +2094,7 @@
           <a:p>
             <a:fld id="{E28C8B2C-4A08-462D-AE20-AD7145F0AF21}" type="datetimeFigureOut">
               <a:rPr lang="en-IN" smtClean="0"/>
-              <a:t>16-02-2024</a:t>
+              <a:t>18-02-2024</a:t>
             </a:fld>
             <a:endParaRPr lang="en-IN"/>
           </a:p>
@@ -2398,7 +2407,7 @@
           <a:p>
             <a:fld id="{E28C8B2C-4A08-462D-AE20-AD7145F0AF21}" type="datetimeFigureOut">
               <a:rPr lang="en-IN" smtClean="0"/>
-              <a:t>16-02-2024</a:t>
+              <a:t>18-02-2024</a:t>
             </a:fld>
             <a:endParaRPr lang="en-IN"/>
           </a:p>
@@ -2687,7 +2696,7 @@
           <a:p>
             <a:fld id="{E28C8B2C-4A08-462D-AE20-AD7145F0AF21}" type="datetimeFigureOut">
               <a:rPr lang="en-IN" smtClean="0"/>
-              <a:t>16-02-2024</a:t>
+              <a:t>18-02-2024</a:t>
             </a:fld>
             <a:endParaRPr lang="en-IN"/>
           </a:p>
@@ -2930,7 +2939,7 @@
           <a:p>
             <a:fld id="{E28C8B2C-4A08-462D-AE20-AD7145F0AF21}" type="datetimeFigureOut">
               <a:rPr lang="en-IN" smtClean="0"/>
-              <a:t>16-02-2024</a:t>
+              <a:t>18-02-2024</a:t>
             </a:fld>
             <a:endParaRPr lang="en-IN"/>
           </a:p>
@@ -3440,6 +3449,109 @@
 </p:sld>
 </file>
 
+<file path=ppt/slides/slide10.xml><?xml version="1.0" encoding="utf-8"?>
+<p:sld xmlns:a="http://schemas.openxmlformats.org/drawingml/2006/main" xmlns:r="http://schemas.openxmlformats.org/officeDocument/2006/relationships" xmlns:p="http://schemas.openxmlformats.org/presentationml/2006/main">
+  <p:cSld>
+    <p:spTree>
+      <p:nvGrpSpPr>
+        <p:cNvPr id="1" name=""/>
+        <p:cNvGrpSpPr/>
+        <p:nvPr/>
+      </p:nvGrpSpPr>
+      <p:grpSpPr>
+        <a:xfrm>
+          <a:off x="0" y="0"/>
+          <a:ext cx="0" cy="0"/>
+          <a:chOff x="0" y="0"/>
+          <a:chExt cx="0" cy="0"/>
+        </a:xfrm>
+      </p:grpSpPr>
+      <p:pic>
+        <p:nvPicPr>
+          <p:cNvPr id="3" name="Picture 2">
+            <a:extLst>
+              <a:ext uri="{FF2B5EF4-FFF2-40B4-BE49-F238E27FC236}">
+                <a16:creationId xmlns:a16="http://schemas.microsoft.com/office/drawing/2014/main" id="{B63678FD-55E1-906A-FCBF-DCC09F68FBFE}"/>
+              </a:ext>
+            </a:extLst>
+          </p:cNvPr>
+          <p:cNvPicPr>
+            <a:picLocks noChangeAspect="1"/>
+          </p:cNvPicPr>
+          <p:nvPr/>
+        </p:nvPicPr>
+        <p:blipFill>
+          <a:blip r:embed="rId2"/>
+          <a:stretch>
+            <a:fillRect/>
+          </a:stretch>
+        </p:blipFill>
+        <p:spPr>
+          <a:xfrm>
+            <a:off x="656049" y="89452"/>
+            <a:ext cx="10363134" cy="5696593"/>
+          </a:xfrm>
+          <a:prstGeom prst="rect">
+            <a:avLst/>
+          </a:prstGeom>
+        </p:spPr>
+      </p:pic>
+      <p:sp>
+        <p:nvSpPr>
+          <p:cNvPr id="4" name="TextBox 3">
+            <a:extLst>
+              <a:ext uri="{FF2B5EF4-FFF2-40B4-BE49-F238E27FC236}">
+                <a16:creationId xmlns:a16="http://schemas.microsoft.com/office/drawing/2014/main" id="{675847CC-1961-DDCB-1BD6-63D3A4889858}"/>
+              </a:ext>
+            </a:extLst>
+          </p:cNvPr>
+          <p:cNvSpPr txBox="1"/>
+          <p:nvPr/>
+        </p:nvSpPr>
+        <p:spPr>
+          <a:xfrm>
+            <a:off x="3329609" y="5953539"/>
+            <a:ext cx="4890052" cy="369332"/>
+          </a:xfrm>
+          <a:prstGeom prst="rect">
+            <a:avLst/>
+          </a:prstGeom>
+          <a:noFill/>
+        </p:spPr>
+        <p:txBody>
+          <a:bodyPr wrap="square" rtlCol="0">
+            <a:spAutoFit/>
+          </a:bodyPr>
+          <a:lstStyle/>
+          <a:p>
+            <a:r>
+              <a:rPr lang="en-IN" dirty="0"/>
+              <a:t>Again </a:t>
+            </a:r>
+            <a:r>
+              <a:rPr lang="en-IN" dirty="0" err="1"/>
+              <a:t>github</a:t>
+            </a:r>
+            <a:r>
+              <a:rPr lang="en-IN" dirty="0"/>
+              <a:t> files are helpful</a:t>
+            </a:r>
+          </a:p>
+        </p:txBody>
+      </p:sp>
+    </p:spTree>
+    <p:extLst>
+      <p:ext uri="{BB962C8B-B14F-4D97-AF65-F5344CB8AC3E}">
+        <p14:creationId xmlns:p14="http://schemas.microsoft.com/office/powerpoint/2010/main" val="3679383510"/>
+      </p:ext>
+    </p:extLst>
+  </p:cSld>
+  <p:clrMapOvr>
+    <a:masterClrMapping/>
+  </p:clrMapOvr>
+</p:sld>
+</file>
+
 <file path=ppt/slides/slide2.xml><?xml version="1.0" encoding="utf-8"?>
 <p:sld xmlns:a="http://schemas.openxmlformats.org/drawingml/2006/main" xmlns:r="http://schemas.openxmlformats.org/officeDocument/2006/relationships" xmlns:p="http://schemas.openxmlformats.org/presentationml/2006/main">
   <p:cSld>
@@ -5059,6 +5171,328 @@
     <p:extLst>
       <p:ext uri="{BB962C8B-B14F-4D97-AF65-F5344CB8AC3E}">
         <p14:creationId xmlns:p14="http://schemas.microsoft.com/office/powerpoint/2010/main" val="137032133"/>
+      </p:ext>
+    </p:extLst>
+  </p:cSld>
+  <p:clrMapOvr>
+    <a:masterClrMapping/>
+  </p:clrMapOvr>
+</p:sld>
+</file>
+
+<file path=ppt/slides/slide7.xml><?xml version="1.0" encoding="utf-8"?>
+<p:sld xmlns:a="http://schemas.openxmlformats.org/drawingml/2006/main" xmlns:r="http://schemas.openxmlformats.org/officeDocument/2006/relationships" xmlns:p="http://schemas.openxmlformats.org/presentationml/2006/main">
+  <p:cSld>
+    <p:spTree>
+      <p:nvGrpSpPr>
+        <p:cNvPr id="1" name=""/>
+        <p:cNvGrpSpPr/>
+        <p:nvPr/>
+      </p:nvGrpSpPr>
+      <p:grpSpPr>
+        <a:xfrm>
+          <a:off x="0" y="0"/>
+          <a:ext cx="0" cy="0"/>
+          <a:chOff x="0" y="0"/>
+          <a:chExt cx="0" cy="0"/>
+        </a:xfrm>
+      </p:grpSpPr>
+      <p:pic>
+        <p:nvPicPr>
+          <p:cNvPr id="3" name="Picture 2">
+            <a:extLst>
+              <a:ext uri="{FF2B5EF4-FFF2-40B4-BE49-F238E27FC236}">
+                <a16:creationId xmlns:a16="http://schemas.microsoft.com/office/drawing/2014/main" id="{301AAF9D-6933-1A8B-48B8-B0B15FAAE50E}"/>
+              </a:ext>
+            </a:extLst>
+          </p:cNvPr>
+          <p:cNvPicPr>
+            <a:picLocks noChangeAspect="1"/>
+          </p:cNvPicPr>
+          <p:nvPr/>
+        </p:nvPicPr>
+        <p:blipFill>
+          <a:blip r:embed="rId2"/>
+          <a:stretch>
+            <a:fillRect/>
+          </a:stretch>
+        </p:blipFill>
+        <p:spPr>
+          <a:xfrm>
+            <a:off x="708990" y="-2312"/>
+            <a:ext cx="10969488" cy="6170336"/>
+          </a:xfrm>
+          <a:prstGeom prst="rect">
+            <a:avLst/>
+          </a:prstGeom>
+        </p:spPr>
+      </p:pic>
+      <p:sp>
+        <p:nvSpPr>
+          <p:cNvPr id="4" name="TextBox 3">
+            <a:extLst>
+              <a:ext uri="{FF2B5EF4-FFF2-40B4-BE49-F238E27FC236}">
+                <a16:creationId xmlns:a16="http://schemas.microsoft.com/office/drawing/2014/main" id="{9D193DDD-E5DE-EEC9-C043-466C7B1445FF}"/>
+              </a:ext>
+            </a:extLst>
+          </p:cNvPr>
+          <p:cNvSpPr txBox="1"/>
+          <p:nvPr/>
+        </p:nvSpPr>
+        <p:spPr>
+          <a:xfrm>
+            <a:off x="4045226" y="6311350"/>
+            <a:ext cx="5237922" cy="369332"/>
+          </a:xfrm>
+          <a:prstGeom prst="rect">
+            <a:avLst/>
+          </a:prstGeom>
+          <a:noFill/>
+        </p:spPr>
+        <p:txBody>
+          <a:bodyPr wrap="square" rtlCol="0">
+            <a:spAutoFit/>
+          </a:bodyPr>
+          <a:lstStyle/>
+          <a:p>
+            <a:r>
+              <a:rPr lang="en-IN" dirty="0"/>
+              <a:t>Finally, had a workaround to the problem,</a:t>
+            </a:r>
+          </a:p>
+        </p:txBody>
+      </p:sp>
+    </p:spTree>
+    <p:extLst>
+      <p:ext uri="{BB962C8B-B14F-4D97-AF65-F5344CB8AC3E}">
+        <p14:creationId xmlns:p14="http://schemas.microsoft.com/office/powerpoint/2010/main" val="2506985767"/>
+      </p:ext>
+    </p:extLst>
+  </p:cSld>
+  <p:clrMapOvr>
+    <a:masterClrMapping/>
+  </p:clrMapOvr>
+</p:sld>
+</file>
+
+<file path=ppt/slides/slide8.xml><?xml version="1.0" encoding="utf-8"?>
+<p:sld xmlns:a="http://schemas.openxmlformats.org/drawingml/2006/main" xmlns:r="http://schemas.openxmlformats.org/officeDocument/2006/relationships" xmlns:p="http://schemas.openxmlformats.org/presentationml/2006/main">
+  <p:cSld>
+    <p:spTree>
+      <p:nvGrpSpPr>
+        <p:cNvPr id="1" name=""/>
+        <p:cNvGrpSpPr/>
+        <p:nvPr/>
+      </p:nvGrpSpPr>
+      <p:grpSpPr>
+        <a:xfrm>
+          <a:off x="0" y="0"/>
+          <a:ext cx="0" cy="0"/>
+          <a:chOff x="0" y="0"/>
+          <a:chExt cx="0" cy="0"/>
+        </a:xfrm>
+      </p:grpSpPr>
+      <p:pic>
+        <p:nvPicPr>
+          <p:cNvPr id="3" name="Picture 2">
+            <a:extLst>
+              <a:ext uri="{FF2B5EF4-FFF2-40B4-BE49-F238E27FC236}">
+                <a16:creationId xmlns:a16="http://schemas.microsoft.com/office/drawing/2014/main" id="{B391F207-EBE1-4FDA-44A6-A647598211EE}"/>
+              </a:ext>
+            </a:extLst>
+          </p:cNvPr>
+          <p:cNvPicPr>
+            <a:picLocks noChangeAspect="1"/>
+          </p:cNvPicPr>
+          <p:nvPr/>
+        </p:nvPicPr>
+        <p:blipFill>
+          <a:blip r:embed="rId2"/>
+          <a:stretch>
+            <a:fillRect/>
+          </a:stretch>
+        </p:blipFill>
+        <p:spPr>
+          <a:xfrm>
+            <a:off x="497330" y="477078"/>
+            <a:ext cx="10879287" cy="5380211"/>
+          </a:xfrm>
+          <a:prstGeom prst="rect">
+            <a:avLst/>
+          </a:prstGeom>
+        </p:spPr>
+      </p:pic>
+      <p:sp>
+        <p:nvSpPr>
+          <p:cNvPr id="4" name="TextBox 3">
+            <a:extLst>
+              <a:ext uri="{FF2B5EF4-FFF2-40B4-BE49-F238E27FC236}">
+                <a16:creationId xmlns:a16="http://schemas.microsoft.com/office/drawing/2014/main" id="{59CF4FAD-798E-80EF-B2AC-79D74B712EDB}"/>
+              </a:ext>
+            </a:extLst>
+          </p:cNvPr>
+          <p:cNvSpPr txBox="1"/>
+          <p:nvPr/>
+        </p:nvSpPr>
+        <p:spPr>
+          <a:xfrm>
+            <a:off x="6585956" y="2852531"/>
+            <a:ext cx="4949687" cy="923330"/>
+          </a:xfrm>
+          <a:prstGeom prst="rect">
+            <a:avLst/>
+          </a:prstGeom>
+          <a:noFill/>
+        </p:spPr>
+        <p:txBody>
+          <a:bodyPr wrap="square" rtlCol="0">
+            <a:spAutoFit/>
+          </a:bodyPr>
+          <a:lstStyle/>
+          <a:p>
+            <a:r>
+              <a:rPr lang="en-IN" dirty="0"/>
+              <a:t>Changed normal </a:t>
+            </a:r>
+            <a:r>
+              <a:rPr lang="en-IN" dirty="0" err="1"/>
+              <a:t>sqlite</a:t>
+            </a:r>
+            <a:r>
+              <a:rPr lang="en-IN" dirty="0"/>
+              <a:t> in </a:t>
+            </a:r>
+            <a:r>
+              <a:rPr lang="en-IN" dirty="0" err="1"/>
+              <a:t>streamlit</a:t>
+            </a:r>
+            <a:r>
+              <a:rPr lang="en-IN" dirty="0"/>
+              <a:t> which uses 3.34 by default to use </a:t>
+            </a:r>
+            <a:r>
+              <a:rPr lang="en-IN" dirty="0" err="1"/>
+              <a:t>pysqlite</a:t>
+            </a:r>
+            <a:r>
+              <a:rPr lang="en-IN" dirty="0"/>
+              <a:t> and now it’s using </a:t>
+            </a:r>
+            <a:r>
+              <a:rPr lang="en-IN" dirty="0" err="1"/>
+              <a:t>sqlite</a:t>
+            </a:r>
+            <a:r>
+              <a:rPr lang="en-IN" dirty="0"/>
+              <a:t> 3.45 version</a:t>
+            </a:r>
+          </a:p>
+        </p:txBody>
+      </p:sp>
+      <p:sp>
+        <p:nvSpPr>
+          <p:cNvPr id="5" name="TextBox 4">
+            <a:extLst>
+              <a:ext uri="{FF2B5EF4-FFF2-40B4-BE49-F238E27FC236}">
+                <a16:creationId xmlns:a16="http://schemas.microsoft.com/office/drawing/2014/main" id="{3CC7846E-025C-CB88-DD58-89B6597502C7}"/>
+              </a:ext>
+            </a:extLst>
+          </p:cNvPr>
+          <p:cNvSpPr txBox="1"/>
+          <p:nvPr/>
+        </p:nvSpPr>
+        <p:spPr>
+          <a:xfrm>
+            <a:off x="6410739" y="3969660"/>
+            <a:ext cx="4860235" cy="369332"/>
+          </a:xfrm>
+          <a:prstGeom prst="rect">
+            <a:avLst/>
+          </a:prstGeom>
+          <a:noFill/>
+        </p:spPr>
+        <p:txBody>
+          <a:bodyPr wrap="square" rtlCol="0">
+            <a:spAutoFit/>
+          </a:bodyPr>
+          <a:lstStyle/>
+          <a:p>
+            <a:r>
+              <a:rPr lang="en-IN" dirty="0"/>
+              <a:t>I was facing error in importing </a:t>
+            </a:r>
+            <a:r>
+              <a:rPr lang="en-IN" dirty="0" err="1"/>
+              <a:t>chromadb</a:t>
+            </a:r>
+            <a:endParaRPr lang="en-IN" dirty="0"/>
+          </a:p>
+        </p:txBody>
+      </p:sp>
+    </p:spTree>
+    <p:extLst>
+      <p:ext uri="{BB962C8B-B14F-4D97-AF65-F5344CB8AC3E}">
+        <p14:creationId xmlns:p14="http://schemas.microsoft.com/office/powerpoint/2010/main" val="3860991914"/>
+      </p:ext>
+    </p:extLst>
+  </p:cSld>
+  <p:clrMapOvr>
+    <a:masterClrMapping/>
+  </p:clrMapOvr>
+</p:sld>
+</file>
+
+<file path=ppt/slides/slide9.xml><?xml version="1.0" encoding="utf-8"?>
+<p:sld xmlns:a="http://schemas.openxmlformats.org/drawingml/2006/main" xmlns:r="http://schemas.openxmlformats.org/officeDocument/2006/relationships" xmlns:p="http://schemas.openxmlformats.org/presentationml/2006/main">
+  <p:cSld>
+    <p:spTree>
+      <p:nvGrpSpPr>
+        <p:cNvPr id="1" name=""/>
+        <p:cNvGrpSpPr/>
+        <p:nvPr/>
+      </p:nvGrpSpPr>
+      <p:grpSpPr>
+        <a:xfrm>
+          <a:off x="0" y="0"/>
+          <a:ext cx="0" cy="0"/>
+          <a:chOff x="0" y="0"/>
+          <a:chExt cx="0" cy="0"/>
+        </a:xfrm>
+      </p:grpSpPr>
+      <p:pic>
+        <p:nvPicPr>
+          <p:cNvPr id="3" name="Picture 2">
+            <a:extLst>
+              <a:ext uri="{FF2B5EF4-FFF2-40B4-BE49-F238E27FC236}">
+                <a16:creationId xmlns:a16="http://schemas.microsoft.com/office/drawing/2014/main" id="{72B3F1EC-1A4D-4F10-D56A-3AAD76BE49DF}"/>
+              </a:ext>
+            </a:extLst>
+          </p:cNvPr>
+          <p:cNvPicPr>
+            <a:picLocks noChangeAspect="1"/>
+          </p:cNvPicPr>
+          <p:nvPr/>
+        </p:nvPicPr>
+        <p:blipFill>
+          <a:blip r:embed="rId2"/>
+          <a:stretch>
+            <a:fillRect/>
+          </a:stretch>
+        </p:blipFill>
+        <p:spPr>
+          <a:xfrm>
+            <a:off x="186178" y="216891"/>
+            <a:ext cx="11819644" cy="6424217"/>
+          </a:xfrm>
+          <a:prstGeom prst="rect">
+            <a:avLst/>
+          </a:prstGeom>
+        </p:spPr>
+      </p:pic>
+    </p:spTree>
+    <p:extLst>
+      <p:ext uri="{BB962C8B-B14F-4D97-AF65-F5344CB8AC3E}">
+        <p14:creationId xmlns:p14="http://schemas.microsoft.com/office/powerpoint/2010/main" val="1668568745"/>
       </p:ext>
     </p:extLst>
   </p:cSld>

--- a/documentation.pptx
+++ b/documentation.pptx
@@ -270,7 +270,7 @@
           <a:p>
             <a:fld id="{E28C8B2C-4A08-462D-AE20-AD7145F0AF21}" type="datetimeFigureOut">
               <a:rPr lang="en-IN" smtClean="0"/>
-              <a:t>18-02-2024</a:t>
+              <a:t>19-02-2024</a:t>
             </a:fld>
             <a:endParaRPr lang="en-IN"/>
           </a:p>
@@ -470,7 +470,7 @@
           <a:p>
             <a:fld id="{E28C8B2C-4A08-462D-AE20-AD7145F0AF21}" type="datetimeFigureOut">
               <a:rPr lang="en-IN" smtClean="0"/>
-              <a:t>18-02-2024</a:t>
+              <a:t>19-02-2024</a:t>
             </a:fld>
             <a:endParaRPr lang="en-IN"/>
           </a:p>
@@ -680,7 +680,7 @@
           <a:p>
             <a:fld id="{E28C8B2C-4A08-462D-AE20-AD7145F0AF21}" type="datetimeFigureOut">
               <a:rPr lang="en-IN" smtClean="0"/>
-              <a:t>18-02-2024</a:t>
+              <a:t>19-02-2024</a:t>
             </a:fld>
             <a:endParaRPr lang="en-IN"/>
           </a:p>
@@ -880,7 +880,7 @@
           <a:p>
             <a:fld id="{E28C8B2C-4A08-462D-AE20-AD7145F0AF21}" type="datetimeFigureOut">
               <a:rPr lang="en-IN" smtClean="0"/>
-              <a:t>18-02-2024</a:t>
+              <a:t>19-02-2024</a:t>
             </a:fld>
             <a:endParaRPr lang="en-IN"/>
           </a:p>
@@ -1156,7 +1156,7 @@
           <a:p>
             <a:fld id="{E28C8B2C-4A08-462D-AE20-AD7145F0AF21}" type="datetimeFigureOut">
               <a:rPr lang="en-IN" smtClean="0"/>
-              <a:t>18-02-2024</a:t>
+              <a:t>19-02-2024</a:t>
             </a:fld>
             <a:endParaRPr lang="en-IN"/>
           </a:p>
@@ -1424,7 +1424,7 @@
           <a:p>
             <a:fld id="{E28C8B2C-4A08-462D-AE20-AD7145F0AF21}" type="datetimeFigureOut">
               <a:rPr lang="en-IN" smtClean="0"/>
-              <a:t>18-02-2024</a:t>
+              <a:t>19-02-2024</a:t>
             </a:fld>
             <a:endParaRPr lang="en-IN"/>
           </a:p>
@@ -1839,7 +1839,7 @@
           <a:p>
             <a:fld id="{E28C8B2C-4A08-462D-AE20-AD7145F0AF21}" type="datetimeFigureOut">
               <a:rPr lang="en-IN" smtClean="0"/>
-              <a:t>18-02-2024</a:t>
+              <a:t>19-02-2024</a:t>
             </a:fld>
             <a:endParaRPr lang="en-IN"/>
           </a:p>
@@ -1981,7 +1981,7 @@
           <a:p>
             <a:fld id="{E28C8B2C-4A08-462D-AE20-AD7145F0AF21}" type="datetimeFigureOut">
               <a:rPr lang="en-IN" smtClean="0"/>
-              <a:t>18-02-2024</a:t>
+              <a:t>19-02-2024</a:t>
             </a:fld>
             <a:endParaRPr lang="en-IN"/>
           </a:p>
@@ -2094,7 +2094,7 @@
           <a:p>
             <a:fld id="{E28C8B2C-4A08-462D-AE20-AD7145F0AF21}" type="datetimeFigureOut">
               <a:rPr lang="en-IN" smtClean="0"/>
-              <a:t>18-02-2024</a:t>
+              <a:t>19-02-2024</a:t>
             </a:fld>
             <a:endParaRPr lang="en-IN"/>
           </a:p>
@@ -2407,7 +2407,7 @@
           <a:p>
             <a:fld id="{E28C8B2C-4A08-462D-AE20-AD7145F0AF21}" type="datetimeFigureOut">
               <a:rPr lang="en-IN" smtClean="0"/>
-              <a:t>18-02-2024</a:t>
+              <a:t>19-02-2024</a:t>
             </a:fld>
             <a:endParaRPr lang="en-IN"/>
           </a:p>
@@ -2696,7 +2696,7 @@
           <a:p>
             <a:fld id="{E28C8B2C-4A08-462D-AE20-AD7145F0AF21}" type="datetimeFigureOut">
               <a:rPr lang="en-IN" smtClean="0"/>
-              <a:t>18-02-2024</a:t>
+              <a:t>19-02-2024</a:t>
             </a:fld>
             <a:endParaRPr lang="en-IN"/>
           </a:p>
@@ -2939,7 +2939,7 @@
           <a:p>
             <a:fld id="{E28C8B2C-4A08-462D-AE20-AD7145F0AF21}" type="datetimeFigureOut">
               <a:rPr lang="en-IN" smtClean="0"/>
-              <a:t>18-02-2024</a:t>
+              <a:t>19-02-2024</a:t>
             </a:fld>
             <a:endParaRPr lang="en-IN"/>
           </a:p>
